--- a/Prezentācija.pptx
+++ b/Prezentācija.pptx
@@ -5955,18 +5955,7 @@
                 </a:solidFill>
                 <a:hlinkClick r:id="rId2"/>
               </a:rPr>
-              <a:t>https://</a:t>
-            </a:r>
-            <a:r>
-              <a:rPr lang="lv-LV" sz="800" u="sng" dirty="0" smtClean="0">
-                <a:solidFill>
-                  <a:schemeClr val="accent6">
-                    <a:lumMod val="75000"/>
-                  </a:schemeClr>
-                </a:solidFill>
-                <a:hlinkClick r:id="rId2"/>
-              </a:rPr>
-              <a:t>www.google.com/url?sa=i&amp;url=https%3A%2F%2Fstock.adobe.com%2Fsearch%2Fimages%3Fk%3Dlost%2Bcartoon&amp;psig=AOvVaw1vTrc572CCLjQtbl7efhMt&amp;ust=1746116198978000&amp;source=images&amp;cd=vfe&amp;opi=89978449&amp;ved=0CBQQjRxqFwoTCNjPkvaTgI0DFQAAAAAdAAAAABAJ</a:t>
+              <a:t>https://www.google.com/url?sa=i&amp;url=https%3A%2F%2Fstock.adobe.com%2Fsearch%2Fimages%3Fk%3Dlost%2Bcartoon&amp;psig=AOvVaw1vTrc572CCLjQtbl7efhMt&amp;ust=1746116198978000&amp;source=images&amp;cd=vfe&amp;opi=89978449&amp;ved=0CBQQjRxqFwoTCNjPkvaTgI0DFQAAAAAdAAAAABAJ</a:t>
             </a:r>
             <a:endParaRPr lang="lv-LV" sz="800" u="sng" dirty="0" smtClean="0">
               <a:solidFill>
@@ -5996,18 +5985,7 @@
                 </a:solidFill>
                 <a:hlinkClick r:id="rId3"/>
               </a:rPr>
-              <a:t>https://</a:t>
-            </a:r>
-            <a:r>
-              <a:rPr lang="lv-LV" sz="800" u="sng" dirty="0" smtClean="0">
-                <a:solidFill>
-                  <a:schemeClr val="accent6">
-                    <a:lumMod val="75000"/>
-                  </a:schemeClr>
-                </a:solidFill>
-                <a:hlinkClick r:id="rId3"/>
-              </a:rPr>
-              <a:t>www.google.com/url?sa=i&amp;url=https%3A%2F%2Fstock.adobe.com%2Fsearch%2Fimages%3Fk%3Dcartoon%2Bschool%2Bkids&amp;psig=AOvVaw03bIUZgzyaiSr5dFXSPp45&amp;ust=1746116134494000&amp;source=images&amp;cd=vfe&amp;opi=89978449&amp;ved=0CBQQjRxqFwoTCMDp-NKTgI0DFQAAAAAdAAAAABAE</a:t>
+              <a:t>https://www.google.com/url?sa=i&amp;url=https%3A%2F%2Fstock.adobe.com%2Fsearch%2Fimages%3Fk%3Dcartoon%2Bschool%2Bkids&amp;psig=AOvVaw03bIUZgzyaiSr5dFXSPp45&amp;ust=1746116134494000&amp;source=images&amp;cd=vfe&amp;opi=89978449&amp;ved=0CBQQjRxqFwoTCMDp-NKTgI0DFQAAAAAdAAAAABAE</a:t>
             </a:r>
             <a:endParaRPr lang="lv-LV" sz="800" u="sng" dirty="0" smtClean="0">
               <a:solidFill>
@@ -6036,17 +6014,7 @@
                   </a:schemeClr>
                 </a:solidFill>
               </a:rPr>
-              <a:t>https://www.google.com/imgres?q=python&amp;imgurl=https%3A%2F%2Fupload.wikimedia.org%2Fwikipedia%2Fcommons%2Fthumb%2Fc%2Fc3%2FPython-logo-notext.svg%2F1200px-Python-logo-notext.svg.png&amp;imgrefurl=https%3A%2F%2Fen.wikipedia.org%2Fwiki%2FPython_(programming_language)&amp;docid=3wRBXLyvECcz0M&amp;tbnid=bJyp60iY51xrsM&amp;vet=12ahUKEwjD7K2xlICNAxVRHxAIHZLSJ3cQM3oECBYQAA..</a:t>
-            </a:r>
-            <a:r>
-              <a:rPr lang="lv-LV" sz="800" u="sng" dirty="0" smtClean="0">
-                <a:solidFill>
-                  <a:schemeClr val="accent6">
-                    <a:lumMod val="75000"/>
-                  </a:schemeClr>
-                </a:solidFill>
-              </a:rPr>
-              <a:t>i&amp;w=1200&amp;h=1317&amp;hcb=2&amp;itg=1&amp;ved=2ahUKEwjD7K2xlICNAxVRHxAIHZLSJ3cQM3oECBYQAA</a:t>
+              <a:t>https://www.google.com/imgres?q=python&amp;imgurl=https%3A%2F%2Fupload.wikimedia.org%2Fwikipedia%2Fcommons%2Fthumb%2Fc%2Fc3%2FPython-logo-notext.svg%2F1200px-Python-logo-notext.svg.png&amp;imgrefurl=https%3A%2F%2Fen.wikipedia.org%2Fwiki%2FPython_(programming_language)&amp;docid=3wRBXLyvECcz0M&amp;tbnid=bJyp60iY51xrsM&amp;vet=12ahUKEwjD7K2xlICNAxVRHxAIHZLSJ3cQM3oECBYQAA..i&amp;w=1200&amp;h=1317&amp;hcb=2&amp;itg=1&amp;ved=2ahUKEwjD7K2xlICNAxVRHxAIHZLSJ3cQM3oECBYQAA</a:t>
             </a:r>
           </a:p>
           <a:p>
@@ -6069,29 +6037,7 @@
                 </a:solidFill>
                 <a:hlinkClick r:id="rId4"/>
               </a:rPr>
-              <a:t>https</a:t>
-            </a:r>
-            <a:r>
-              <a:rPr lang="lv-LV" sz="800" u="sng" dirty="0" smtClean="0">
-                <a:solidFill>
-                  <a:schemeClr val="accent6">
-                    <a:lumMod val="75000"/>
-                  </a:schemeClr>
-                </a:solidFill>
-                <a:hlinkClick r:id="rId4"/>
-              </a:rPr>
-              <a:t>://</a:t>
-            </a:r>
-            <a:r>
-              <a:rPr lang="lv-LV" sz="800" u="sng" dirty="0" smtClean="0">
-                <a:solidFill>
-                  <a:schemeClr val="accent6">
-                    <a:lumMod val="75000"/>
-                  </a:schemeClr>
-                </a:solidFill>
-                <a:hlinkClick r:id="rId4"/>
-              </a:rPr>
-              <a:t>www.google.com/url?sa=i&amp;url=https%3A%2F%2Ftumanishvili.com%2Fprofession-en%2F&amp;psig=AOvVaw27fFULpYt3_QHJWXBT1CfK&amp;ust=1746116454427000&amp;source=images&amp;cd=vfe&amp;opi=89978449&amp;ved=0CBQQjRxqFwoTCJjbwemUgI0DFQAAAAAdAAAAABAE</a:t>
+              <a:t>https://www.google.com/url?sa=i&amp;url=https%3A%2F%2Ftumanishvili.com%2Fprofession-en%2F&amp;psig=AOvVaw27fFULpYt3_QHJWXBT1CfK&amp;ust=1746116454427000&amp;source=images&amp;cd=vfe&amp;opi=89978449&amp;ved=0CBQQjRxqFwoTCJjbwemUgI0DFQAAAAAdAAAAABAE</a:t>
             </a:r>
             <a:endParaRPr lang="lv-LV" sz="800" u="sng" dirty="0" smtClean="0">
               <a:solidFill>
@@ -6121,18 +6067,7 @@
                 </a:solidFill>
                 <a:hlinkClick r:id="rId5"/>
               </a:rPr>
-              <a:t>https://</a:t>
-            </a:r>
-            <a:r>
-              <a:rPr lang="lv-LV" sz="800" u="sng" dirty="0" smtClean="0">
-                <a:solidFill>
-                  <a:schemeClr val="accent6">
-                    <a:lumMod val="75000"/>
-                  </a:schemeClr>
-                </a:solidFill>
-                <a:hlinkClick r:id="rId5"/>
-              </a:rPr>
-              <a:t>www.google.com/url?sa=i&amp;url=https%3A%2F%2Fopenclipart.org%2Fdetail%2F234252%2Fscripted-clock-animation&amp;psig=AOvVaw1zmJePwGaUI6BnqJEBOn3r&amp;ust=1746116515628000&amp;source=images&amp;cd=vfe&amp;opi=89978449&amp;ved=0CBQQjRxqFwoTCJjz3IeVgI0DFQAAAAAdAAAAABAo</a:t>
+              <a:t>https://www.google.com/url?sa=i&amp;url=https%3A%2F%2Fopenclipart.org%2Fdetail%2F234252%2Fscripted-clock-animation&amp;psig=AOvVaw1zmJePwGaUI6BnqJEBOn3r&amp;ust=1746116515628000&amp;source=images&amp;cd=vfe&amp;opi=89978449&amp;ved=0CBQQjRxqFwoTCJjz3IeVgI0DFQAAAAAdAAAAABAo</a:t>
             </a:r>
             <a:endParaRPr lang="lv-LV" sz="800" u="sng" dirty="0" smtClean="0">
               <a:solidFill>
@@ -6416,11 +6351,7 @@
             </a:pPr>
             <a:r>
               <a:rPr lang="lv-LV" dirty="0" smtClean="0"/>
-              <a:t>Pē</a:t>
-            </a:r>
-            <a:r>
-              <a:rPr lang="lv-LV" dirty="0" smtClean="0"/>
-              <a:t>dējos vidusskolas gados skolēni šī jautājuma dēļ izjūt spiedienu.</a:t>
+              <a:t>Pēdējos vidusskolas gados skolēni šī jautājuma dēļ izjūt spiedienu.</a:t>
             </a:r>
           </a:p>
           <a:p>
@@ -7658,7 +7589,15 @@
             </a:pPr>
             <a:r>
               <a:rPr lang="lv-LV" dirty="0" smtClean="0"/>
-              <a:t>Protams, radās mazākas problēmas (pārsvarā programmas izstrādē, ar attēlu). Arī </a:t>
+              <a:t>Protams, radās mazākas problēmas (pārsvarā programmas izstrādē, ar </a:t>
+            </a:r>
+            <a:r>
+              <a:rPr lang="lv-LV" dirty="0" smtClean="0"/>
+              <a:t>attēlu, tā izmēru, novietojumu). </a:t>
+            </a:r>
+            <a:r>
+              <a:rPr lang="lv-LV" dirty="0" smtClean="0"/>
+              <a:t>Arī </a:t>
             </a:r>
             <a:r>
               <a:rPr lang="lv-LV" dirty="0" err="1" smtClean="0"/>
@@ -7666,15 +7605,28 @@
             </a:r>
             <a:r>
               <a:rPr lang="lv-LV" dirty="0" smtClean="0"/>
-              <a:t> no sākuma bija grūti izprast, taču citos posmos, pēc mācību materiālu apguves un mājasdarbu pildīšanas ideja bija skaidra, atlika </a:t>
+              <a:t> no sākuma bija grūti izprast, taču citos posmos, pēc mācību materiālu apguves un mājasdarbu pildīšanas ideja bija skaidra, atlika tikai darīt un pabeigt, lai varētu iet uz priekšu (uzdevumi bija vairāk laikietilpīgi nevis sarežģīti un pilni ar problēmām</a:t>
             </a:r>
             <a:r>
               <a:rPr lang="lv-LV" dirty="0" smtClean="0"/>
-              <a:t>tikai darīt un pabeigt, lai varētu iet uz </a:t>
+              <a:t>).</a:t>
             </a:r>
+          </a:p>
+          <a:p>
+            <a:pPr lvl="0" indent="-317500">
+              <a:buSzPts val="1400"/>
+              <a:buNone/>
+            </a:pPr>
+            <a:endParaRPr lang="lv-LV" dirty="0" smtClean="0"/>
+          </a:p>
+          <a:p>
+            <a:pPr lvl="0" indent="-317500">
+              <a:buSzPts val="1400"/>
+              <a:buNone/>
+            </a:pPr>
             <a:r>
               <a:rPr lang="lv-LV" dirty="0" smtClean="0"/>
-              <a:t>priekšu (uzdevumi bija vairāk laikietilpīgi nevis sarežģīti un pilni ar problēmām).</a:t>
+              <a:t>Arī prasību specifikācijās tika manīta neprecizitāte, kas bija jāizskaidro.</a:t>
             </a:r>
           </a:p>
         </p:txBody>
